--- a/plots/2021_02_09/Fig1_dataBE_propSdropoutB117_binomial GLMM_response scale.pptx
+++ b/plots/2021_02_09/Fig1_dataBE_propSdropoutB117_binomial GLMM_response scale.pptx
@@ -3445,7 +3445,7 @@
                     <a:pt x="889762" y="3579600"/>
                   </a:lnTo>
                   <a:lnTo>
-                    <a:pt x="963908" y="3497930"/>
+                    <a:pt x="963908" y="3497929"/>
                   </a:lnTo>
                   <a:lnTo>
                     <a:pt x="1038055" y="3413368"/>
@@ -3890,7 +3890,7 @@
                     <a:pt x="889762" y="3579600"/>
                   </a:lnTo>
                   <a:lnTo>
-                    <a:pt x="963908" y="3497930"/>
+                    <a:pt x="963908" y="3497929"/>
                   </a:lnTo>
                   <a:lnTo>
                     <a:pt x="1038055" y="3413368"/>
